--- a/Week 4/Flask-Presentation.pptx
+++ b/Week 4/Flask-Presentation.pptx
@@ -3489,7 +3489,7 @@
           <a:p>
             <a:fld id="{C764DE79-268F-4C1A-8933-263129D2AF90}" type="datetimeFigureOut">
               <a:rPr lang="en-US" dirty="0"/>
-              <a:t>1/27/2023</a:t>
+              <a:t>2/5/2023</a:t>
             </a:fld>
             <a:endParaRPr lang="en-US"/>
           </a:p>
@@ -3657,7 +3657,7 @@
           <a:p>
             <a:fld id="{C764DE79-268F-4C1A-8933-263129D2AF90}" type="datetimeFigureOut">
               <a:rPr lang="en-US" dirty="0"/>
-              <a:t>1/27/2023</a:t>
+              <a:t>2/5/2023</a:t>
             </a:fld>
             <a:endParaRPr lang="en-US"/>
           </a:p>
@@ -3835,7 +3835,7 @@
           <a:p>
             <a:fld id="{C764DE79-268F-4C1A-8933-263129D2AF90}" type="datetimeFigureOut">
               <a:rPr lang="en-US" dirty="0"/>
-              <a:t>1/27/2023</a:t>
+              <a:t>2/5/2023</a:t>
             </a:fld>
             <a:endParaRPr lang="en-US"/>
           </a:p>
@@ -4003,7 +4003,7 @@
           <a:p>
             <a:fld id="{C764DE79-268F-4C1A-8933-263129D2AF90}" type="datetimeFigureOut">
               <a:rPr lang="en-US" dirty="0"/>
-              <a:t>1/27/2023</a:t>
+              <a:t>2/5/2023</a:t>
             </a:fld>
             <a:endParaRPr lang="en-US"/>
           </a:p>
@@ -4248,7 +4248,7 @@
           <a:p>
             <a:fld id="{C764DE79-268F-4C1A-8933-263129D2AF90}" type="datetimeFigureOut">
               <a:rPr lang="en-US" dirty="0"/>
-              <a:t>1/27/2023</a:t>
+              <a:t>2/5/2023</a:t>
             </a:fld>
             <a:endParaRPr lang="en-US"/>
           </a:p>
@@ -4477,7 +4477,7 @@
           <a:p>
             <a:fld id="{C764DE79-268F-4C1A-8933-263129D2AF90}" type="datetimeFigureOut">
               <a:rPr lang="en-US" dirty="0"/>
-              <a:t>1/27/2023</a:t>
+              <a:t>2/5/2023</a:t>
             </a:fld>
             <a:endParaRPr lang="en-US"/>
           </a:p>
@@ -4841,7 +4841,7 @@
           <a:p>
             <a:fld id="{C764DE79-268F-4C1A-8933-263129D2AF90}" type="datetimeFigureOut">
               <a:rPr lang="en-US" dirty="0"/>
-              <a:t>1/27/2023</a:t>
+              <a:t>2/5/2023</a:t>
             </a:fld>
             <a:endParaRPr lang="en-US"/>
           </a:p>
@@ -4958,7 +4958,7 @@
           <a:p>
             <a:fld id="{C764DE79-268F-4C1A-8933-263129D2AF90}" type="datetimeFigureOut">
               <a:rPr lang="en-US" dirty="0"/>
-              <a:t>1/27/2023</a:t>
+              <a:t>2/5/2023</a:t>
             </a:fld>
             <a:endParaRPr lang="en-US"/>
           </a:p>
@@ -5053,7 +5053,7 @@
           <a:p>
             <a:fld id="{C764DE79-268F-4C1A-8933-263129D2AF90}" type="datetimeFigureOut">
               <a:rPr lang="en-US" dirty="0"/>
-              <a:t>1/27/2023</a:t>
+              <a:t>2/5/2023</a:t>
             </a:fld>
             <a:endParaRPr lang="en-US"/>
           </a:p>
@@ -5328,7 +5328,7 @@
           <a:p>
             <a:fld id="{C764DE79-268F-4C1A-8933-263129D2AF90}" type="datetimeFigureOut">
               <a:rPr lang="en-US" dirty="0"/>
-              <a:t>1/27/2023</a:t>
+              <a:t>2/5/2023</a:t>
             </a:fld>
             <a:endParaRPr lang="en-US"/>
           </a:p>
@@ -5583,7 +5583,7 @@
           <a:p>
             <a:fld id="{C764DE79-268F-4C1A-8933-263129D2AF90}" type="datetimeFigureOut">
               <a:rPr lang="en-US" dirty="0"/>
-              <a:t>1/27/2023</a:t>
+              <a:t>2/5/2023</a:t>
             </a:fld>
             <a:endParaRPr lang="en-US"/>
           </a:p>
@@ -5794,7 +5794,7 @@
           <a:p>
             <a:fld id="{C764DE79-268F-4C1A-8933-263129D2AF90}" type="datetimeFigureOut">
               <a:rPr lang="en-US" dirty="0"/>
-              <a:t>1/27/2023</a:t>
+              <a:t>2/5/2023</a:t>
             </a:fld>
             <a:endParaRPr lang="en-US"/>
           </a:p>
@@ -8247,8 +8247,27 @@
                   </a:schemeClr>
                 </a:solidFill>
               </a:rPr>
-              <a:t>HTML Template Creation</a:t>
+              <a:t>HTML Template Creation </a:t>
             </a:r>
+            <a:r>
+              <a:rPr lang="en-US" sz="5400" b="1">
+                <a:solidFill>
+                  <a:schemeClr val="bg1">
+                    <a:lumMod val="95000"/>
+                    <a:lumOff val="5000"/>
+                  </a:schemeClr>
+                </a:solidFill>
+              </a:rPr>
+              <a:t>&amp; Styling</a:t>
+            </a:r>
+            <a:endParaRPr lang="en-US" sz="5400" b="1" dirty="0">
+              <a:solidFill>
+                <a:schemeClr val="bg1">
+                  <a:lumMod val="95000"/>
+                  <a:lumOff val="5000"/>
+                </a:schemeClr>
+              </a:solidFill>
+            </a:endParaRPr>
           </a:p>
         </p:txBody>
       </p:sp>
@@ -9779,6 +9798,18 @@
                 <a:latin typeface="Lato Extended"/>
               </a:rPr>
               <a:t>         HTML Template Creation &amp; Styling</a:t>
+            </a:r>
+          </a:p>
+          <a:p>
+            <a:pPr marL="457200" indent="-457200" algn="just">
+              <a:buFont typeface="Wingdings" panose="05000000000000000000" pitchFamily="2" charset="2"/>
+              <a:buChar char="v"/>
+            </a:pPr>
+            <a:r>
+              <a:rPr lang="en-US" sz="2800" dirty="0">
+                <a:latin typeface="Lato Extended"/>
+              </a:rPr>
+              <a:t>         Running Flask Application</a:t>
             </a:r>
           </a:p>
           <a:p>
